--- a/Presentation/Graico plano SAD.pptx
+++ b/Presentation/Graico plano SAD.pptx
@@ -312,7 +312,7 @@
           <a:p>
             <a:fld id="{5AF92ABC-0294-4BBD-B6B4-B83EA4D3B6A2}" type="datetimeFigureOut">
               <a:rPr lang="pt-PT" smtClean="0"/>
-              <a:t>10/05/2020</a:t>
+              <a:t>11/05/2020</a:t>
             </a:fld>
             <a:endParaRPr lang="pt-PT"/>
           </a:p>
@@ -593,7 +593,7 @@
           <a:p>
             <a:fld id="{5AF92ABC-0294-4BBD-B6B4-B83EA4D3B6A2}" type="datetimeFigureOut">
               <a:rPr lang="pt-PT" smtClean="0"/>
-              <a:t>10/05/2020</a:t>
+              <a:t>11/05/2020</a:t>
             </a:fld>
             <a:endParaRPr lang="pt-PT"/>
           </a:p>
@@ -785,7 +785,7 @@
           <a:p>
             <a:fld id="{5AF92ABC-0294-4BBD-B6B4-B83EA4D3B6A2}" type="datetimeFigureOut">
               <a:rPr lang="pt-PT" smtClean="0"/>
-              <a:t>10/05/2020</a:t>
+              <a:t>11/05/2020</a:t>
             </a:fld>
             <a:endParaRPr lang="pt-PT"/>
           </a:p>
@@ -1046,7 +1046,7 @@
           <a:p>
             <a:fld id="{5AF92ABC-0294-4BBD-B6B4-B83EA4D3B6A2}" type="datetimeFigureOut">
               <a:rPr lang="pt-PT" smtClean="0"/>
-              <a:t>10/05/2020</a:t>
+              <a:t>11/05/2020</a:t>
             </a:fld>
             <a:endParaRPr lang="pt-PT"/>
           </a:p>
@@ -1472,7 +1472,7 @@
           <a:p>
             <a:fld id="{5AF92ABC-0294-4BBD-B6B4-B83EA4D3B6A2}" type="datetimeFigureOut">
               <a:rPr lang="pt-PT" smtClean="0"/>
-              <a:t>10/05/2020</a:t>
+              <a:t>11/05/2020</a:t>
             </a:fld>
             <a:endParaRPr lang="pt-PT"/>
           </a:p>
@@ -2018,7 +2018,7 @@
           <a:p>
             <a:fld id="{5AF92ABC-0294-4BBD-B6B4-B83EA4D3B6A2}" type="datetimeFigureOut">
               <a:rPr lang="pt-PT" smtClean="0"/>
-              <a:t>10/05/2020</a:t>
+              <a:t>11/05/2020</a:t>
             </a:fld>
             <a:endParaRPr lang="pt-PT"/>
           </a:p>
@@ -2849,7 +2849,7 @@
           <a:p>
             <a:fld id="{5AF92ABC-0294-4BBD-B6B4-B83EA4D3B6A2}" type="datetimeFigureOut">
               <a:rPr lang="pt-PT" smtClean="0"/>
-              <a:t>10/05/2020</a:t>
+              <a:t>11/05/2020</a:t>
             </a:fld>
             <a:endParaRPr lang="pt-PT"/>
           </a:p>
@@ -3019,7 +3019,7 @@
           <a:p>
             <a:fld id="{5AF92ABC-0294-4BBD-B6B4-B83EA4D3B6A2}" type="datetimeFigureOut">
               <a:rPr lang="pt-PT" smtClean="0"/>
-              <a:t>10/05/2020</a:t>
+              <a:t>11/05/2020</a:t>
             </a:fld>
             <a:endParaRPr lang="pt-PT"/>
           </a:p>
@@ -3199,7 +3199,7 @@
           <a:p>
             <a:fld id="{5AF92ABC-0294-4BBD-B6B4-B83EA4D3B6A2}" type="datetimeFigureOut">
               <a:rPr lang="pt-PT" smtClean="0"/>
-              <a:t>10/05/2020</a:t>
+              <a:t>11/05/2020</a:t>
             </a:fld>
             <a:endParaRPr lang="pt-PT"/>
           </a:p>
@@ -3369,7 +3369,7 @@
           <a:p>
             <a:fld id="{5AF92ABC-0294-4BBD-B6B4-B83EA4D3B6A2}" type="datetimeFigureOut">
               <a:rPr lang="pt-PT" smtClean="0"/>
-              <a:t>10/05/2020</a:t>
+              <a:t>11/05/2020</a:t>
             </a:fld>
             <a:endParaRPr lang="pt-PT"/>
           </a:p>
@@ -3626,7 +3626,7 @@
           <a:p>
             <a:fld id="{5AF92ABC-0294-4BBD-B6B4-B83EA4D3B6A2}" type="datetimeFigureOut">
               <a:rPr lang="pt-PT" smtClean="0"/>
-              <a:t>10/05/2020</a:t>
+              <a:t>11/05/2020</a:t>
             </a:fld>
             <a:endParaRPr lang="pt-PT"/>
           </a:p>
@@ -3858,7 +3858,7 @@
           <a:p>
             <a:fld id="{5AF92ABC-0294-4BBD-B6B4-B83EA4D3B6A2}" type="datetimeFigureOut">
               <a:rPr lang="pt-PT" smtClean="0"/>
-              <a:t>10/05/2020</a:t>
+              <a:t>11/05/2020</a:t>
             </a:fld>
             <a:endParaRPr lang="pt-PT"/>
           </a:p>
@@ -4256,7 +4256,7 @@
           <a:p>
             <a:fld id="{5AF92ABC-0294-4BBD-B6B4-B83EA4D3B6A2}" type="datetimeFigureOut">
               <a:rPr lang="pt-PT" smtClean="0"/>
-              <a:t>10/05/2020</a:t>
+              <a:t>11/05/2020</a:t>
             </a:fld>
             <a:endParaRPr lang="pt-PT"/>
           </a:p>
@@ -4379,7 +4379,7 @@
           <a:p>
             <a:fld id="{5AF92ABC-0294-4BBD-B6B4-B83EA4D3B6A2}" type="datetimeFigureOut">
               <a:rPr lang="pt-PT" smtClean="0"/>
-              <a:t>10/05/2020</a:t>
+              <a:t>11/05/2020</a:t>
             </a:fld>
             <a:endParaRPr lang="pt-PT"/>
           </a:p>
@@ -4474,7 +4474,7 @@
           <a:p>
             <a:fld id="{5AF92ABC-0294-4BBD-B6B4-B83EA4D3B6A2}" type="datetimeFigureOut">
               <a:rPr lang="pt-PT" smtClean="0"/>
-              <a:t>10/05/2020</a:t>
+              <a:t>11/05/2020</a:t>
             </a:fld>
             <a:endParaRPr lang="pt-PT"/>
           </a:p>
@@ -4747,7 +4747,7 @@
           <a:p>
             <a:fld id="{5AF92ABC-0294-4BBD-B6B4-B83EA4D3B6A2}" type="datetimeFigureOut">
               <a:rPr lang="pt-PT" smtClean="0"/>
-              <a:t>10/05/2020</a:t>
+              <a:t>11/05/2020</a:t>
             </a:fld>
             <a:endParaRPr lang="pt-PT"/>
           </a:p>
@@ -5033,7 +5033,7 @@
           <a:p>
             <a:fld id="{5AF92ABC-0294-4BBD-B6B4-B83EA4D3B6A2}" type="datetimeFigureOut">
               <a:rPr lang="pt-PT" smtClean="0"/>
-              <a:t>10/05/2020</a:t>
+              <a:t>11/05/2020</a:t>
             </a:fld>
             <a:endParaRPr lang="pt-PT"/>
           </a:p>
@@ -5273,7 +5273,7 @@
           <a:p>
             <a:fld id="{5AF92ABC-0294-4BBD-B6B4-B83EA4D3B6A2}" type="datetimeFigureOut">
               <a:rPr lang="pt-PT" smtClean="0"/>
-              <a:t>10/05/2020</a:t>
+              <a:t>11/05/2020</a:t>
             </a:fld>
             <a:endParaRPr lang="pt-PT"/>
           </a:p>
@@ -6187,7 +6187,7 @@
               <a:rPr lang="pt-PT" sz="2000" dirty="0" err="1">
                 <a:latin typeface="Bahnschrift SemiLight SemiConde" panose="020B0502040204020203" pitchFamily="34" charset="0"/>
               </a:rPr>
-              <a:t>berinde</a:t>
+              <a:t>marbles</a:t>
             </a:r>
             <a:r>
               <a:rPr lang="pt-PT" sz="2000" dirty="0">
@@ -7363,6 +7363,13 @@
               <a:lumMod val="50000"/>
             </a:schemeClr>
           </a:solidFill>
+          <a:ln>
+            <a:solidFill>
+              <a:schemeClr val="accent6">
+                <a:lumMod val="50000"/>
+              </a:schemeClr>
+            </a:solidFill>
+          </a:ln>
         </p:spPr>
         <p:style>
           <a:lnRef idx="2">
@@ -7414,6 +7421,13 @@
               <a:lumMod val="50000"/>
             </a:schemeClr>
           </a:solidFill>
+          <a:ln>
+            <a:solidFill>
+              <a:schemeClr val="accent6">
+                <a:lumMod val="50000"/>
+              </a:schemeClr>
+            </a:solidFill>
+          </a:ln>
         </p:spPr>
         <p:style>
           <a:lnRef idx="2">
@@ -7465,6 +7479,13 @@
               <a:lumMod val="50000"/>
             </a:schemeClr>
           </a:solidFill>
+          <a:ln>
+            <a:solidFill>
+              <a:schemeClr val="accent6">
+                <a:lumMod val="50000"/>
+              </a:schemeClr>
+            </a:solidFill>
+          </a:ln>
         </p:spPr>
         <p:style>
           <a:lnRef idx="2">
@@ -7703,7 +7724,7 @@
         </p:nvSpPr>
         <p:spPr>
           <a:xfrm>
-            <a:off x="4597167" y="5704514"/>
+            <a:off x="4597167" y="5687736"/>
             <a:ext cx="293614" cy="201336"/>
           </a:xfrm>
           <a:prstGeom prst="rect">
@@ -7712,6 +7733,11 @@
           <a:solidFill>
             <a:srgbClr val="FF0000"/>
           </a:solidFill>
+          <a:ln>
+            <a:solidFill>
+              <a:srgbClr val="FF0000"/>
+            </a:solidFill>
+          </a:ln>
         </p:spPr>
         <p:style>
           <a:lnRef idx="2">
@@ -7852,7 +7878,7 @@
         </p:nvSpPr>
         <p:spPr>
           <a:xfrm>
-            <a:off x="2952996" y="4773336"/>
+            <a:off x="2961385" y="4773336"/>
             <a:ext cx="109057" cy="58723"/>
           </a:xfrm>
           <a:prstGeom prst="rect">
@@ -7910,8 +7936,8 @@
         </p:nvCxnSpPr>
         <p:spPr>
           <a:xfrm rot="5400000">
-            <a:off x="1832960" y="5113006"/>
-            <a:ext cx="1455513" cy="893618"/>
+            <a:off x="1837155" y="5108812"/>
+            <a:ext cx="1455513" cy="902007"/>
           </a:xfrm>
           <a:prstGeom prst="bentConnector3">
             <a:avLst>
@@ -7957,8 +7983,8 @@
         </p:nvCxnSpPr>
         <p:spPr>
           <a:xfrm rot="5400000">
-            <a:off x="3302054" y="5005042"/>
-            <a:ext cx="541113" cy="2342729"/>
+            <a:off x="3293665" y="4996653"/>
+            <a:ext cx="557891" cy="2342729"/>
           </a:xfrm>
           <a:prstGeom prst="bentConnector2">
             <a:avLst/>
@@ -8161,6 +8187,13 @@
               <a:lumMod val="50000"/>
             </a:schemeClr>
           </a:solidFill>
+          <a:ln>
+            <a:solidFill>
+              <a:schemeClr val="accent6">
+                <a:lumMod val="50000"/>
+              </a:schemeClr>
+            </a:solidFill>
+          </a:ln>
         </p:spPr>
         <p:style>
           <a:lnRef idx="2">
@@ -8212,6 +8245,13 @@
               <a:lumMod val="50000"/>
             </a:schemeClr>
           </a:solidFill>
+          <a:ln>
+            <a:solidFill>
+              <a:schemeClr val="accent6">
+                <a:lumMod val="50000"/>
+              </a:schemeClr>
+            </a:solidFill>
+          </a:ln>
         </p:spPr>
         <p:style>
           <a:lnRef idx="2">
@@ -8263,6 +8303,13 @@
               <a:lumMod val="50000"/>
             </a:schemeClr>
           </a:solidFill>
+          <a:ln>
+            <a:solidFill>
+              <a:schemeClr val="accent6">
+                <a:lumMod val="50000"/>
+              </a:schemeClr>
+            </a:solidFill>
+          </a:ln>
         </p:spPr>
         <p:style>
           <a:lnRef idx="2">
@@ -8501,7 +8548,7 @@
         </p:nvSpPr>
         <p:spPr>
           <a:xfrm>
-            <a:off x="10756091" y="5705912"/>
+            <a:off x="10756091" y="5689134"/>
             <a:ext cx="293614" cy="201336"/>
           </a:xfrm>
           <a:prstGeom prst="rect">
@@ -8510,6 +8557,11 @@
           <a:solidFill>
             <a:srgbClr val="FF0000"/>
           </a:solidFill>
+          <a:ln>
+            <a:solidFill>
+              <a:srgbClr val="FF0000"/>
+            </a:solidFill>
+          </a:ln>
         </p:spPr>
         <p:style>
           <a:lnRef idx="2">
@@ -8857,8 +8909,8 @@
         </p:nvCxnSpPr>
         <p:spPr>
           <a:xfrm rot="5400000">
-            <a:off x="9460978" y="5006440"/>
-            <a:ext cx="541113" cy="2342729"/>
+            <a:off x="9452589" y="4998051"/>
+            <a:ext cx="557891" cy="2342729"/>
           </a:xfrm>
           <a:prstGeom prst="bentConnector2">
             <a:avLst/>
